--- a/Documentacao/Documentação-curso-SASS.pptx
+++ b/Documentacao/Documentação-curso-SASS.pptx
@@ -330,7 +330,7 @@
             <a:fld id="{ECE2885B-9CEE-4B06-9B5A-AB75F988921C}" type="datetimeFigureOut">
               <a:rPr lang="es-ES" smtClean="0"/>
               <a:pPr/>
-              <a:t>04/09/2019</a:t>
+              <a:t>05/09/2019</a:t>
             </a:fld>
             <a:endParaRPr lang="es-ES"/>
           </a:p>
@@ -497,7 +497,7 @@
             <a:fld id="{ECE2885B-9CEE-4B06-9B5A-AB75F988921C}" type="datetimeFigureOut">
               <a:rPr lang="es-ES" smtClean="0"/>
               <a:pPr/>
-              <a:t>04/09/2019</a:t>
+              <a:t>05/09/2019</a:t>
             </a:fld>
             <a:endParaRPr lang="es-ES"/>
           </a:p>
@@ -674,7 +674,7 @@
             <a:fld id="{ECE2885B-9CEE-4B06-9B5A-AB75F988921C}" type="datetimeFigureOut">
               <a:rPr lang="es-ES" smtClean="0"/>
               <a:pPr/>
-              <a:t>04/09/2019</a:t>
+              <a:t>05/09/2019</a:t>
             </a:fld>
             <a:endParaRPr lang="es-ES"/>
           </a:p>
@@ -841,7 +841,7 @@
             <a:fld id="{ECE2885B-9CEE-4B06-9B5A-AB75F988921C}" type="datetimeFigureOut">
               <a:rPr lang="es-ES" smtClean="0"/>
               <a:pPr/>
-              <a:t>04/09/2019</a:t>
+              <a:t>05/09/2019</a:t>
             </a:fld>
             <a:endParaRPr lang="es-ES"/>
           </a:p>
@@ -1084,7 +1084,7 @@
             <a:fld id="{ECE2885B-9CEE-4B06-9B5A-AB75F988921C}" type="datetimeFigureOut">
               <a:rPr lang="es-ES" smtClean="0"/>
               <a:pPr/>
-              <a:t>04/09/2019</a:t>
+              <a:t>05/09/2019</a:t>
             </a:fld>
             <a:endParaRPr lang="es-ES"/>
           </a:p>
@@ -1369,7 +1369,7 @@
             <a:fld id="{ECE2885B-9CEE-4B06-9B5A-AB75F988921C}" type="datetimeFigureOut">
               <a:rPr lang="es-ES" smtClean="0"/>
               <a:pPr/>
-              <a:t>04/09/2019</a:t>
+              <a:t>05/09/2019</a:t>
             </a:fld>
             <a:endParaRPr lang="es-ES"/>
           </a:p>
@@ -1788,7 +1788,7 @@
             <a:fld id="{ECE2885B-9CEE-4B06-9B5A-AB75F988921C}" type="datetimeFigureOut">
               <a:rPr lang="es-ES" smtClean="0"/>
               <a:pPr/>
-              <a:t>04/09/2019</a:t>
+              <a:t>05/09/2019</a:t>
             </a:fld>
             <a:endParaRPr lang="es-ES"/>
           </a:p>
@@ -1903,7 +1903,7 @@
             <a:fld id="{ECE2885B-9CEE-4B06-9B5A-AB75F988921C}" type="datetimeFigureOut">
               <a:rPr lang="es-ES" smtClean="0"/>
               <a:pPr/>
-              <a:t>04/09/2019</a:t>
+              <a:t>05/09/2019</a:t>
             </a:fld>
             <a:endParaRPr lang="es-ES"/>
           </a:p>
@@ -1995,7 +1995,7 @@
             <a:fld id="{ECE2885B-9CEE-4B06-9B5A-AB75F988921C}" type="datetimeFigureOut">
               <a:rPr lang="es-ES" smtClean="0"/>
               <a:pPr/>
-              <a:t>04/09/2019</a:t>
+              <a:t>05/09/2019</a:t>
             </a:fld>
             <a:endParaRPr lang="es-ES"/>
           </a:p>
@@ -2269,7 +2269,7 @@
             <a:fld id="{ECE2885B-9CEE-4B06-9B5A-AB75F988921C}" type="datetimeFigureOut">
               <a:rPr lang="es-ES" smtClean="0"/>
               <a:pPr/>
-              <a:t>04/09/2019</a:t>
+              <a:t>05/09/2019</a:t>
             </a:fld>
             <a:endParaRPr lang="es-ES"/>
           </a:p>
@@ -2523,7 +2523,7 @@
             <a:fld id="{ECE2885B-9CEE-4B06-9B5A-AB75F988921C}" type="datetimeFigureOut">
               <a:rPr lang="es-ES" smtClean="0"/>
               <a:pPr/>
-              <a:t>04/09/2019</a:t>
+              <a:t>05/09/2019</a:t>
             </a:fld>
             <a:endParaRPr lang="es-ES"/>
           </a:p>
@@ -2755,7 +2755,7 @@
             <a:fld id="{ECE2885B-9CEE-4B06-9B5A-AB75F988921C}" type="datetimeFigureOut">
               <a:rPr lang="es-ES" smtClean="0"/>
               <a:pPr/>
-              <a:t>04/09/2019</a:t>
+              <a:t>05/09/2019</a:t>
             </a:fld>
             <a:endParaRPr lang="es-ES"/>
           </a:p>
@@ -3212,7 +3212,7 @@
         </p:spPr>
         <p:txBody>
           <a:bodyPr>
-            <a:normAutofit/>
+            <a:normAutofit lnSpcReduction="10000"/>
           </a:bodyPr>
           <a:lstStyle/>
           <a:p>
@@ -3259,11 +3259,14 @@
             <a:endParaRPr lang="pt-BR" dirty="0"/>
           </a:p>
           <a:p>
-            <a:endParaRPr lang="es-ES" sz="1800" dirty="0">
-              <a:solidFill>
-                <a:schemeClr val="tx1"/>
-              </a:solidFill>
-            </a:endParaRPr>
+            <a:r>
+              <a:rPr lang="es-ES" sz="1800" dirty="0">
+                <a:solidFill>
+                  <a:srgbClr val="0000FF"/>
+                </a:solidFill>
+              </a:rPr>
+              <a:t>https://github.com/amandavilela/curso-sass/tree/master/Apostila</a:t>
+            </a:r>
           </a:p>
         </p:txBody>
       </p:sp>
@@ -3376,68 +3379,141 @@
           </a:p>
           <a:p>
             <a:r>
+              <a:rPr lang="es-ES" dirty="0" err="1">
+                <a:solidFill>
+                  <a:srgbClr val="FF0000"/>
+                </a:solidFill>
+              </a:rPr>
+              <a:t>npm</a:t>
+            </a:r>
+            <a:r>
+              <a:rPr lang="es-ES" dirty="0">
+                <a:solidFill>
+                  <a:srgbClr val="FF0000"/>
+                </a:solidFill>
+              </a:rPr>
+              <a:t> </a:t>
+            </a:r>
+            <a:r>
+              <a:rPr lang="es-ES" dirty="0" err="1">
+                <a:solidFill>
+                  <a:srgbClr val="FF0000"/>
+                </a:solidFill>
+              </a:rPr>
+              <a:t>install</a:t>
+            </a:r>
+            <a:r>
+              <a:rPr lang="es-ES" dirty="0">
+                <a:solidFill>
+                  <a:srgbClr val="FF0000"/>
+                </a:solidFill>
+              </a:rPr>
+              <a:t> –g </a:t>
+            </a:r>
+            <a:r>
+              <a:rPr lang="es-ES" dirty="0" err="1">
+                <a:solidFill>
+                  <a:srgbClr val="FF0000"/>
+                </a:solidFill>
+              </a:rPr>
+              <a:t>sass</a:t>
+            </a:r>
+            <a:endParaRPr lang="es-ES" dirty="0">
+              <a:solidFill>
+                <a:srgbClr val="FF0000"/>
+              </a:solidFill>
+            </a:endParaRPr>
+          </a:p>
+          <a:p>
+            <a:r>
+              <a:rPr lang="es-ES" dirty="0" err="1">
+                <a:solidFill>
+                  <a:srgbClr val="FF0000"/>
+                </a:solidFill>
+              </a:rPr>
+              <a:t>sass</a:t>
+            </a:r>
+            <a:r>
+              <a:rPr lang="es-ES" dirty="0">
+                <a:solidFill>
+                  <a:srgbClr val="FF0000"/>
+                </a:solidFill>
+              </a:rPr>
+              <a:t> --</a:t>
+            </a:r>
+            <a:r>
+              <a:rPr lang="es-ES" dirty="0" err="1">
+                <a:solidFill>
+                  <a:srgbClr val="FF0000"/>
+                </a:solidFill>
+              </a:rPr>
+              <a:t>watch</a:t>
+            </a:r>
+            <a:r>
+              <a:rPr lang="es-ES" dirty="0">
+                <a:solidFill>
+                  <a:srgbClr val="FF0000"/>
+                </a:solidFill>
+              </a:rPr>
+              <a:t> </a:t>
+            </a:r>
+            <a:r>
+              <a:rPr lang="es-ES" dirty="0" err="1">
+                <a:solidFill>
+                  <a:srgbClr val="FF0000"/>
+                </a:solidFill>
+              </a:rPr>
+              <a:t>style.scss</a:t>
+            </a:r>
+            <a:r>
+              <a:rPr lang="es-ES" dirty="0">
+                <a:solidFill>
+                  <a:srgbClr val="FF0000"/>
+                </a:solidFill>
+              </a:rPr>
+              <a:t> style.css </a:t>
+            </a:r>
+          </a:p>
+          <a:p>
+            <a:r>
               <a:rPr lang="es-ES" dirty="0" err="1"/>
-              <a:t>npm</a:t>
+              <a:t>Seletores</a:t>
             </a:r>
             <a:r>
               <a:rPr lang="es-ES" dirty="0"/>
-              <a:t> </a:t>
-            </a:r>
+              <a:t> =&gt; Aula 02</a:t>
+            </a:r>
+          </a:p>
+          <a:p>
             <a:r>
               <a:rPr lang="es-ES" dirty="0" err="1"/>
-              <a:t>install</a:t>
+              <a:t>Exercício</a:t>
             </a:r>
             <a:r>
               <a:rPr lang="es-ES" dirty="0"/>
-              <a:t> –g </a:t>
+              <a:t> 01 </a:t>
             </a:r>
             <a:r>
               <a:rPr lang="es-ES" dirty="0" err="1"/>
-              <a:t>node-sass</a:t>
+              <a:t>Seletores</a:t>
             </a:r>
             <a:endParaRPr lang="es-ES" dirty="0"/>
           </a:p>
           <a:p>
             <a:r>
-              <a:rPr lang="es-ES" sz="2400" dirty="0" err="1"/>
-              <a:t>node-sass</a:t>
-            </a:r>
-            <a:r>
-              <a:rPr lang="es-ES" sz="2400" dirty="0"/>
-              <a:t> --</a:t>
-            </a:r>
-            <a:r>
-              <a:rPr lang="es-ES" sz="2400" dirty="0" err="1"/>
-              <a:t>watch</a:t>
-            </a:r>
-            <a:r>
-              <a:rPr lang="es-ES" sz="2400" dirty="0"/>
-              <a:t> </a:t>
-            </a:r>
-            <a:r>
-              <a:rPr lang="es-ES" sz="2400" dirty="0" err="1"/>
-              <a:t>scss</a:t>
-            </a:r>
-            <a:r>
-              <a:rPr lang="es-ES" sz="2400" dirty="0"/>
-              <a:t>/</a:t>
-            </a:r>
-            <a:r>
-              <a:rPr lang="es-ES" sz="2400" dirty="0" err="1"/>
-              <a:t>style.scss</a:t>
-            </a:r>
-            <a:r>
-              <a:rPr lang="es-ES" sz="2400" dirty="0"/>
-              <a:t> </a:t>
-            </a:r>
-            <a:r>
-              <a:rPr lang="es-ES" sz="2400" dirty="0" err="1"/>
-              <a:t>css</a:t>
-            </a:r>
-            <a:r>
-              <a:rPr lang="es-ES" sz="2400" dirty="0"/>
-              <a:t>/style.css </a:t>
-            </a:r>
+              <a:rPr lang="es-ES" dirty="0" err="1"/>
+              <a:t>Variáveis</a:t>
+            </a:r>
+            <a:r>
+              <a:rPr lang="es-ES" dirty="0"/>
+              <a:t> =&gt; Aula 03</a:t>
+            </a:r>
+          </a:p>
+          <a:p>
+            <a:pPr marL="0" indent="0">
+              <a:buNone/>
+            </a:pPr>
+            <a:endParaRPr lang="es-ES" dirty="0"/>
           </a:p>
           <a:p>
             <a:endParaRPr lang="es-ES" dirty="0"/>
